--- a/starter/instruction.pptx
+++ b/starter/instruction.pptx
@@ -5,10 +5,10 @@
     <p:sldMasterId id="2147483648" r:id="rId1"/>
   </p:sldMasterIdLst>
   <p:notesMasterIdLst>
-    <p:notesMasterId r:id="rId17"/>
+    <p:notesMasterId r:id="rId18"/>
   </p:notesMasterIdLst>
   <p:handoutMasterIdLst>
-    <p:handoutMasterId r:id="rId18"/>
+    <p:handoutMasterId r:id="rId19"/>
   </p:handoutMasterIdLst>
   <p:sldIdLst>
     <p:sldId id="256" r:id="rId2"/>
@@ -26,6 +26,7 @@
     <p:sldId id="570" r:id="rId14"/>
     <p:sldId id="572" r:id="rId15"/>
     <p:sldId id="573" r:id="rId16"/>
+    <p:sldId id="574" r:id="rId17"/>
   </p:sldIdLst>
   <p:sldSz cx="12192000" cy="6858000"/>
   <p:notesSz cx="6858000" cy="9144000"/>
@@ -886,6 +887,90 @@
     <p:extLst>
       <p:ext uri="{BB962C8B-B14F-4D97-AF65-F5344CB8AC3E}">
         <p14:creationId xmlns:p14="http://schemas.microsoft.com/office/powerpoint/2010/main" val="3861878626"/>
+      </p:ext>
+    </p:extLst>
+  </p:cSld>
+  <p:clrMapOvr>
+    <a:masterClrMapping/>
+  </p:clrMapOvr>
+</p:notes>
+</file>
+
+<file path=ppt/notesSlides/notesSlide12.xml><?xml version="1.0" encoding="utf-8"?>
+<p:notes xmlns:a="http://schemas.openxmlformats.org/drawingml/2006/main" xmlns:r="http://schemas.openxmlformats.org/officeDocument/2006/relationships" xmlns:p="http://schemas.openxmlformats.org/presentationml/2006/main">
+  <p:cSld>
+    <p:spTree>
+      <p:nvGrpSpPr>
+        <p:cNvPr id="1" name=""/>
+        <p:cNvGrpSpPr/>
+        <p:nvPr/>
+      </p:nvGrpSpPr>
+      <p:grpSpPr>
+        <a:xfrm>
+          <a:off x="0" y="0"/>
+          <a:ext cx="0" cy="0"/>
+          <a:chOff x="0" y="0"/>
+          <a:chExt cx="0" cy="0"/>
+        </a:xfrm>
+      </p:grpSpPr>
+      <p:sp>
+        <p:nvSpPr>
+          <p:cNvPr id="2" name="Slide Image Placeholder 1"/>
+          <p:cNvSpPr>
+            <a:spLocks noGrp="1" noRot="1" noChangeAspect="1"/>
+          </p:cNvSpPr>
+          <p:nvPr>
+            <p:ph type="sldImg" idx="2"/>
+          </p:nvPr>
+        </p:nvSpPr>
+        <p:spPr/>
+      </p:sp>
+      <p:sp>
+        <p:nvSpPr>
+          <p:cNvPr id="3" name="Text Placeholder 2"/>
+          <p:cNvSpPr>
+            <a:spLocks noGrp="1"/>
+          </p:cNvSpPr>
+          <p:nvPr>
+            <p:ph type="body" idx="3"/>
+          </p:nvPr>
+        </p:nvSpPr>
+        <p:spPr/>
+        <p:txBody>
+          <a:bodyPr/>
+          <a:lstStyle/>
+          <a:p>
+            <a:endParaRPr lang="en-US"/>
+          </a:p>
+        </p:txBody>
+      </p:sp>
+      <p:sp>
+        <p:nvSpPr>
+          <p:cNvPr id="4" name="Slide Number Placeholder 3"/>
+          <p:cNvSpPr>
+            <a:spLocks noGrp="1"/>
+          </p:cNvSpPr>
+          <p:nvPr>
+            <p:ph type="sldNum" sz="quarter" idx="5"/>
+          </p:nvPr>
+        </p:nvSpPr>
+        <p:spPr/>
+        <p:txBody>
+          <a:bodyPr/>
+          <a:lstStyle/>
+          <a:p>
+            <a:fld id="{21B2AA4F-B828-4D7C-AFD3-893933DAFCB4}" type="slidenum">
+              <a:rPr lang="en-US" smtClean="0"/>
+              <a:t>16</a:t>
+            </a:fld>
+            <a:endParaRPr lang="en-US"/>
+          </a:p>
+        </p:txBody>
+      </p:sp>
+    </p:spTree>
+    <p:extLst>
+      <p:ext uri="{BB962C8B-B14F-4D97-AF65-F5344CB8AC3E}">
+        <p14:creationId xmlns:p14="http://schemas.microsoft.com/office/powerpoint/2010/main" val="2243923469"/>
       </p:ext>
     </p:extLst>
   </p:cSld>
@@ -6609,6 +6694,210 @@
     <p:extLst>
       <p:ext uri="{BB962C8B-B14F-4D97-AF65-F5344CB8AC3E}">
         <p14:creationId xmlns:p14="http://schemas.microsoft.com/office/powerpoint/2010/main" val="1804466476"/>
+      </p:ext>
+    </p:extLst>
+  </p:cSld>
+  <p:clrMapOvr>
+    <a:masterClrMapping/>
+  </p:clrMapOvr>
+  <p:transition/>
+</p:sld>
+</file>
+
+<file path=ppt/slides/slide16.xml><?xml version="1.0" encoding="utf-8"?>
+<p:sld xmlns:a="http://schemas.openxmlformats.org/drawingml/2006/main" xmlns:r="http://schemas.openxmlformats.org/officeDocument/2006/relationships" xmlns:p="http://schemas.openxmlformats.org/presentationml/2006/main">
+  <p:cSld>
+    <p:spTree>
+      <p:nvGrpSpPr>
+        <p:cNvPr id="1" name=""/>
+        <p:cNvGrpSpPr/>
+        <p:nvPr/>
+      </p:nvGrpSpPr>
+      <p:grpSpPr>
+        <a:xfrm>
+          <a:off x="0" y="0"/>
+          <a:ext cx="0" cy="0"/>
+          <a:chOff x="0" y="0"/>
+          <a:chExt cx="0" cy="0"/>
+        </a:xfrm>
+      </p:grpSpPr>
+      <p:sp>
+        <p:nvSpPr>
+          <p:cNvPr id="2" name="Title 1"/>
+          <p:cNvSpPr>
+            <a:spLocks noGrp="1"/>
+          </p:cNvSpPr>
+          <p:nvPr>
+            <p:ph type="title"/>
+          </p:nvPr>
+        </p:nvSpPr>
+        <p:spPr>
+          <a:xfrm>
+            <a:off x="113030" y="7620"/>
+            <a:ext cx="10325735" cy="788670"/>
+          </a:xfrm>
+        </p:spPr>
+        <p:txBody>
+          <a:bodyPr/>
+          <a:lstStyle/>
+          <a:p>
+            <a:r>
+              <a:rPr lang="en-US" altLang="en-US" sz="2800" dirty="0">
+                <a:solidFill>
+                  <a:schemeClr val="tx1">
+                    <a:lumMod val="65000"/>
+                    <a:lumOff val="35000"/>
+                  </a:schemeClr>
+                </a:solidFill>
+                <a:latin typeface="Caladea" charset="0"/>
+                <a:sym typeface="+mn-ea"/>
+              </a:rPr>
+              <a:t>Errors	</a:t>
+            </a:r>
+            <a:endParaRPr lang="x-none" altLang="en-US" sz="2800" dirty="0">
+              <a:solidFill>
+                <a:schemeClr val="tx1">
+                  <a:lumMod val="65000"/>
+                  <a:lumOff val="35000"/>
+                </a:schemeClr>
+              </a:solidFill>
+              <a:latin typeface="Caladea" charset="0"/>
+            </a:endParaRPr>
+          </a:p>
+        </p:txBody>
+      </p:sp>
+      <p:pic>
+        <p:nvPicPr>
+          <p:cNvPr id="6" name="Content Placeholder 5"/>
+          <p:cNvPicPr>
+            <a:picLocks noGrp="1" noChangeAspect="1"/>
+          </p:cNvPicPr>
+          <p:nvPr>
+            <p:ph idx="1"/>
+          </p:nvPr>
+        </p:nvPicPr>
+        <p:blipFill>
+          <a:blip r:embed="rId3"/>
+          <a:stretch>
+            <a:fillRect/>
+          </a:stretch>
+        </p:blipFill>
+        <p:spPr>
+          <a:xfrm>
+            <a:off x="139700" y="6228080"/>
+            <a:ext cx="4267200" cy="398780"/>
+          </a:xfrm>
+          <a:prstGeom prst="rect">
+            <a:avLst/>
+          </a:prstGeom>
+        </p:spPr>
+      </p:pic>
+      <p:sp>
+        <p:nvSpPr>
+          <p:cNvPr id="5" name="Text Box 27">
+            <a:extLst>
+              <a:ext uri="{FF2B5EF4-FFF2-40B4-BE49-F238E27FC236}">
+                <a16:creationId xmlns:a16="http://schemas.microsoft.com/office/drawing/2014/main" id="{80039FDE-F090-471F-A630-10877060DF5C}"/>
+              </a:ext>
+            </a:extLst>
+          </p:cNvPr>
+          <p:cNvSpPr txBox="1"/>
+          <p:nvPr/>
+        </p:nvSpPr>
+        <p:spPr>
+          <a:xfrm>
+            <a:off x="906145" y="1015365"/>
+            <a:ext cx="9311282" cy="2554545"/>
+          </a:xfrm>
+          <a:prstGeom prst="rect">
+            <a:avLst/>
+          </a:prstGeom>
+          <a:noFill/>
+        </p:spPr>
+        <p:txBody>
+          <a:bodyPr wrap="square" rtlCol="0">
+            <a:spAutoFit/>
+          </a:bodyPr>
+          <a:lstStyle/>
+          <a:p>
+            <a:pPr marL="285750" indent="-285750">
+              <a:buFont typeface="Arial" panose="02080604020202020204" charset="0"/>
+              <a:buChar char="•"/>
+            </a:pPr>
+            <a:r>
+              <a:rPr lang="en-US" altLang="en-US" sz="2000" dirty="0"/>
+              <a:t>This is our in-house brewed code</a:t>
+            </a:r>
+          </a:p>
+          <a:p>
+            <a:pPr marL="285750" indent="-285750">
+              <a:buFont typeface="Arial" panose="02080604020202020204" charset="0"/>
+              <a:buChar char="•"/>
+            </a:pPr>
+            <a:endParaRPr lang="en-US" altLang="en-US" sz="2000" dirty="0"/>
+          </a:p>
+          <a:p>
+            <a:pPr marL="285750" indent="-285750">
+              <a:buFont typeface="Arial" panose="02080604020202020204" charset="0"/>
+              <a:buChar char="•"/>
+            </a:pPr>
+            <a:r>
+              <a:rPr lang="en-US" altLang="en-US" sz="2000" dirty="0"/>
+              <a:t>Copy me all the error messages</a:t>
+            </a:r>
+          </a:p>
+          <a:p>
+            <a:pPr marL="285750" indent="-285750">
+              <a:buFont typeface="Arial" panose="02080604020202020204" charset="0"/>
+              <a:buChar char="•"/>
+            </a:pPr>
+            <a:endParaRPr lang="en-US" altLang="en-US" sz="2000" dirty="0"/>
+          </a:p>
+          <a:p>
+            <a:pPr marL="285750" indent="-285750">
+              <a:buFont typeface="Arial" panose="02080604020202020204" charset="0"/>
+              <a:buChar char="•"/>
+            </a:pPr>
+            <a:r>
+              <a:rPr lang="en-US" altLang="en-US" sz="2000" dirty="0"/>
+              <a:t>I will fix it ASAP</a:t>
+            </a:r>
+          </a:p>
+          <a:p>
+            <a:pPr marL="285750" indent="-285750">
+              <a:buFont typeface="Arial" panose="02080604020202020204" charset="0"/>
+              <a:buChar char="•"/>
+            </a:pPr>
+            <a:endParaRPr lang="en-US" altLang="en-US" sz="2000" dirty="0"/>
+          </a:p>
+          <a:p>
+            <a:pPr marL="285750" indent="-285750">
+              <a:buFont typeface="Arial" panose="02080604020202020204" charset="0"/>
+              <a:buChar char="•"/>
+            </a:pPr>
+            <a:r>
+              <a:rPr lang="en-US" altLang="en-US" sz="2000" dirty="0"/>
+              <a:t>WeChat: </a:t>
+            </a:r>
+            <a:r>
+              <a:rPr lang="en-US" altLang="en-US" sz="2000" dirty="0" err="1"/>
+              <a:t>zhangzhizza</a:t>
+            </a:r>
+            <a:endParaRPr lang="x-none" altLang="en-US" sz="2000" dirty="0"/>
+          </a:p>
+          <a:p>
+            <a:pPr marL="285750" indent="-285750">
+              <a:buFont typeface="Arial" panose="02080604020202020204" charset="0"/>
+              <a:buChar char="•"/>
+            </a:pPr>
+            <a:endParaRPr lang="x-none" altLang="en-US" sz="2000" b="1" dirty="0"/>
+          </a:p>
+        </p:txBody>
+      </p:sp>
+    </p:spTree>
+    <p:extLst>
+      <p:ext uri="{BB962C8B-B14F-4D97-AF65-F5344CB8AC3E}">
+        <p14:creationId xmlns:p14="http://schemas.microsoft.com/office/powerpoint/2010/main" val="2296879408"/>
       </p:ext>
     </p:extLst>
   </p:cSld>
